--- a/網站規劃20250601.pptx
+++ b/網站規劃20250601.pptx
@@ -19439,14 +19439,14 @@
               <a:rPr lang="en-US" altLang="zh-TW" sz="1600" dirty="0" smtClean="0"/>
             </a:br>
             <a:r>
-              <a:rPr lang="zh-TW" altLang="en-US" sz="1600"/>
+              <a:rPr lang="zh-TW" altLang="en-US" sz="1600" dirty="0"/>
               <a:t>中文頁面不顯示中文按鈕</a:t>
             </a:r>
             <a:br>
-              <a:rPr lang="zh-TW" altLang="en-US" sz="1600"/>
+              <a:rPr lang="zh-TW" altLang="en-US" sz="1600" dirty="0"/>
             </a:br>
             <a:r>
-              <a:rPr lang="zh-TW" altLang="en-US" sz="1600"/>
+              <a:rPr lang="zh-TW" altLang="en-US" sz="1600" dirty="0"/>
               <a:t>英文頁面不顯示英文按鈕</a:t>
             </a:r>
             <a:endParaRPr lang="en-US" altLang="zh-TW" sz="1600" dirty="0" smtClean="0"/>
